--- a/gapfilling figures.pptx
+++ b/gapfilling figures.pptx
@@ -7,6 +7,7 @@
   <p:sldIdLst>
     <p:sldId id="256" r:id="rId2"/>
     <p:sldId id="257" r:id="rId3"/>
+    <p:sldId id="258" r:id="rId4"/>
   </p:sldIdLst>
   <p:sldSz cx="12192000" cy="6858000"/>
   <p:notesSz cx="6858000" cy="9144000"/>
@@ -105,6 +106,11 @@
       </a:defRPr>
     </a:lvl9pPr>
   </p:defaultTextStyle>
+  <p:extLst>
+    <p:ext uri="{EFAFB233-063F-42B5-8137-9DF3F51BA10A}">
+      <p15:sldGuideLst xmlns:p15="http://schemas.microsoft.com/office/powerpoint/2012/main"/>
+    </p:ext>
+  </p:extLst>
 </p:presentation>
 </file>
 
@@ -3770,6 +3776,1329 @@
 </p:sld>
 </file>
 
+<file path=ppt/slides/slide3.xml><?xml version="1.0" encoding="utf-8"?>
+<p:sld xmlns:a="http://schemas.openxmlformats.org/drawingml/2006/main" xmlns:r="http://schemas.openxmlformats.org/officeDocument/2006/relationships" xmlns:p="http://schemas.openxmlformats.org/presentationml/2006/main">
+  <p:cSld>
+    <p:spTree>
+      <p:nvGrpSpPr>
+        <p:cNvPr id="1" name=""/>
+        <p:cNvGrpSpPr/>
+        <p:nvPr/>
+      </p:nvGrpSpPr>
+      <p:grpSpPr>
+        <a:xfrm>
+          <a:off x="0" y="0"/>
+          <a:ext cx="0" cy="0"/>
+          <a:chOff x="0" y="0"/>
+          <a:chExt cx="0" cy="0"/>
+        </a:xfrm>
+      </p:grpSpPr>
+      <p:pic>
+        <p:nvPicPr>
+          <p:cNvPr id="3" name="Picture 2" descr="A graph of different colored bars&#10;&#10;AI-generated content may be incorrect.">
+            <a:extLst>
+              <a:ext uri="{FF2B5EF4-FFF2-40B4-BE49-F238E27FC236}">
+                <a16:creationId xmlns:a16="http://schemas.microsoft.com/office/drawing/2014/main" id="{6995D8C4-13C4-4D37-449B-6D089DF6E21F}"/>
+              </a:ext>
+            </a:extLst>
+          </p:cNvPr>
+          <p:cNvPicPr>
+            <a:picLocks noChangeAspect="1"/>
+          </p:cNvPicPr>
+          <p:nvPr/>
+        </p:nvPicPr>
+        <p:blipFill>
+          <a:blip r:embed="rId2">
+            <a:extLst>
+              <a:ext uri="{28A0092B-C50C-407E-A947-70E740481C1C}">
+                <a14:useLocalDpi xmlns:a14="http://schemas.microsoft.com/office/drawing/2010/main" val="0"/>
+              </a:ext>
+            </a:extLst>
+          </a:blip>
+          <a:stretch>
+            <a:fillRect/>
+          </a:stretch>
+        </p:blipFill>
+        <p:spPr>
+          <a:xfrm>
+            <a:off x="507354" y="502419"/>
+            <a:ext cx="11417149" cy="5978768"/>
+          </a:xfrm>
+          <a:prstGeom prst="rect">
+            <a:avLst/>
+          </a:prstGeom>
+        </p:spPr>
+      </p:pic>
+      <p:graphicFrame>
+        <p:nvGraphicFramePr>
+          <p:cNvPr id="5" name="Table 4">
+            <a:extLst>
+              <a:ext uri="{FF2B5EF4-FFF2-40B4-BE49-F238E27FC236}">
+                <a16:creationId xmlns:a16="http://schemas.microsoft.com/office/drawing/2014/main" id="{A416C8B3-FD08-1A27-6D15-EEF5D7A0678D}"/>
+              </a:ext>
+            </a:extLst>
+          </p:cNvPr>
+          <p:cNvGraphicFramePr>
+            <a:graphicFrameLocks noGrp="1"/>
+          </p:cNvGraphicFramePr>
+          <p:nvPr>
+            <p:extLst>
+              <p:ext uri="{D42A27DB-BD31-4B8C-83A1-F6EECF244321}">
+                <p14:modId xmlns:p14="http://schemas.microsoft.com/office/powerpoint/2010/main" val="3490174959"/>
+              </p:ext>
+            </p:extLst>
+          </p:nvPr>
+        </p:nvGraphicFramePr>
+        <p:xfrm>
+          <a:off x="170220" y="114167"/>
+          <a:ext cx="3048000" cy="1463040"/>
+        </p:xfrm>
+        <a:graphic>
+          <a:graphicData uri="http://schemas.openxmlformats.org/drawingml/2006/table">
+            <a:tbl>
+              <a:tblPr/>
+              <a:tblGrid>
+                <a:gridCol w="609600">
+                  <a:extLst>
+                    <a:ext uri="{9D8B030D-6E8A-4147-A177-3AD203B41FA5}">
+                      <a16:colId xmlns:a16="http://schemas.microsoft.com/office/drawing/2014/main" val="592008343"/>
+                    </a:ext>
+                  </a:extLst>
+                </a:gridCol>
+                <a:gridCol w="609600">
+                  <a:extLst>
+                    <a:ext uri="{9D8B030D-6E8A-4147-A177-3AD203B41FA5}">
+                      <a16:colId xmlns:a16="http://schemas.microsoft.com/office/drawing/2014/main" val="1448610905"/>
+                    </a:ext>
+                  </a:extLst>
+                </a:gridCol>
+                <a:gridCol w="609600">
+                  <a:extLst>
+                    <a:ext uri="{9D8B030D-6E8A-4147-A177-3AD203B41FA5}">
+                      <a16:colId xmlns:a16="http://schemas.microsoft.com/office/drawing/2014/main" val="2251336206"/>
+                    </a:ext>
+                  </a:extLst>
+                </a:gridCol>
+                <a:gridCol w="609600">
+                  <a:extLst>
+                    <a:ext uri="{9D8B030D-6E8A-4147-A177-3AD203B41FA5}">
+                      <a16:colId xmlns:a16="http://schemas.microsoft.com/office/drawing/2014/main" val="4190426736"/>
+                    </a:ext>
+                  </a:extLst>
+                </a:gridCol>
+                <a:gridCol w="609600">
+                  <a:extLst>
+                    <a:ext uri="{9D8B030D-6E8A-4147-A177-3AD203B41FA5}">
+                      <a16:colId xmlns:a16="http://schemas.microsoft.com/office/drawing/2014/main" val="388024120"/>
+                    </a:ext>
+                  </a:extLst>
+                </a:gridCol>
+              </a:tblGrid>
+              <a:tr h="548640">
+                <a:tc>
+                  <a:txBody>
+                    <a:bodyPr/>
+                    <a:lstStyle/>
+                    <a:p>
+                      <a:pPr algn="ctr" fontAlgn="ctr"/>
+                      <a:r>
+                        <a:rPr lang="en-IL" sz="1100" b="1" i="0" u="none" strike="noStrike">
+                          <a:solidFill>
+                            <a:srgbClr val="000000"/>
+                          </a:solidFill>
+                          <a:effectLst/>
+                          <a:latin typeface="Aptos Narrow" panose="020B0004020202020204" pitchFamily="34" charset="0"/>
+                        </a:rPr>
+                        <a:t> </a:t>
+                      </a:r>
+                    </a:p>
+                  </a:txBody>
+                  <a:tcPr marL="7620" marR="7620" marT="7620" marB="0" anchor="ctr">
+                    <a:lnL w="6350" cap="flat" cmpd="sng" algn="ctr">
+                      <a:solidFill>
+                        <a:srgbClr val="000000"/>
+                      </a:solidFill>
+                      <a:prstDash val="solid"/>
+                      <a:round/>
+                      <a:headEnd type="none" w="med" len="med"/>
+                      <a:tailEnd type="none" w="med" len="med"/>
+                    </a:lnL>
+                    <a:lnR w="6350" cap="flat" cmpd="sng" algn="ctr">
+                      <a:solidFill>
+                        <a:srgbClr val="000000"/>
+                      </a:solidFill>
+                      <a:prstDash val="solid"/>
+                      <a:round/>
+                      <a:headEnd type="none" w="med" len="med"/>
+                      <a:tailEnd type="none" w="med" len="med"/>
+                    </a:lnR>
+                    <a:lnT w="6350" cap="flat" cmpd="sng" algn="ctr">
+                      <a:solidFill>
+                        <a:srgbClr val="000000"/>
+                      </a:solidFill>
+                      <a:prstDash val="solid"/>
+                      <a:round/>
+                      <a:headEnd type="none" w="med" len="med"/>
+                      <a:tailEnd type="none" w="med" len="med"/>
+                    </a:lnT>
+                    <a:lnB w="6350" cap="flat" cmpd="sng" algn="ctr">
+                      <a:solidFill>
+                        <a:srgbClr val="000000"/>
+                      </a:solidFill>
+                      <a:prstDash val="solid"/>
+                      <a:round/>
+                      <a:headEnd type="none" w="med" len="med"/>
+                      <a:tailEnd type="none" w="med" len="med"/>
+                    </a:lnB>
+                    <a:noFill/>
+                  </a:tcPr>
+                </a:tc>
+                <a:tc>
+                  <a:txBody>
+                    <a:bodyPr/>
+                    <a:lstStyle/>
+                    <a:p>
+                      <a:pPr algn="ctr" fontAlgn="ctr"/>
+                      <a:r>
+                        <a:rPr lang="en-US" sz="1100" b="1" i="0" u="none" strike="noStrike">
+                          <a:solidFill>
+                            <a:srgbClr val="000000"/>
+                          </a:solidFill>
+                          <a:effectLst/>
+                          <a:latin typeface="Aptos Narrow" panose="020B0004020202020204" pitchFamily="34" charset="0"/>
+                        </a:rPr>
+                        <a:t>Draft</a:t>
+                      </a:r>
+                    </a:p>
+                  </a:txBody>
+                  <a:tcPr marL="7620" marR="7620" marT="7620" marB="0" anchor="ctr">
+                    <a:lnL w="6350" cap="flat" cmpd="sng" algn="ctr">
+                      <a:solidFill>
+                        <a:srgbClr val="000000"/>
+                      </a:solidFill>
+                      <a:prstDash val="solid"/>
+                      <a:round/>
+                      <a:headEnd type="none" w="med" len="med"/>
+                      <a:tailEnd type="none" w="med" len="med"/>
+                    </a:lnL>
+                    <a:lnR w="6350" cap="flat" cmpd="sng" algn="ctr">
+                      <a:solidFill>
+                        <a:srgbClr val="000000"/>
+                      </a:solidFill>
+                      <a:prstDash val="solid"/>
+                      <a:round/>
+                      <a:headEnd type="none" w="med" len="med"/>
+                      <a:tailEnd type="none" w="med" len="med"/>
+                    </a:lnR>
+                    <a:lnT w="6350" cap="flat" cmpd="sng" algn="ctr">
+                      <a:solidFill>
+                        <a:srgbClr val="000000"/>
+                      </a:solidFill>
+                      <a:prstDash val="solid"/>
+                      <a:round/>
+                      <a:headEnd type="none" w="med" len="med"/>
+                      <a:tailEnd type="none" w="med" len="med"/>
+                    </a:lnT>
+                    <a:lnB w="6350" cap="flat" cmpd="sng" algn="ctr">
+                      <a:solidFill>
+                        <a:srgbClr val="000000"/>
+                      </a:solidFill>
+                      <a:prstDash val="solid"/>
+                      <a:round/>
+                      <a:headEnd type="none" w="med" len="med"/>
+                      <a:tailEnd type="none" w="med" len="med"/>
+                    </a:lnB>
+                    <a:noFill/>
+                  </a:tcPr>
+                </a:tc>
+                <a:tc>
+                  <a:txBody>
+                    <a:bodyPr/>
+                    <a:lstStyle/>
+                    <a:p>
+                      <a:pPr algn="ctr" fontAlgn="ctr"/>
+                      <a:r>
+                        <a:rPr lang="en-US" sz="1100" b="1" i="0" u="none" strike="noStrike">
+                          <a:solidFill>
+                            <a:srgbClr val="000000"/>
+                          </a:solidFill>
+                          <a:effectLst/>
+                          <a:latin typeface="Aptos Narrow" panose="020B0004020202020204" pitchFamily="34" charset="0"/>
+                        </a:rPr>
+                        <a:t>GF (overlap of both)</a:t>
+                      </a:r>
+                    </a:p>
+                  </a:txBody>
+                  <a:tcPr marL="7620" marR="7620" marT="7620" marB="0" anchor="ctr">
+                    <a:lnL w="6350" cap="flat" cmpd="sng" algn="ctr">
+                      <a:solidFill>
+                        <a:srgbClr val="000000"/>
+                      </a:solidFill>
+                      <a:prstDash val="solid"/>
+                      <a:round/>
+                      <a:headEnd type="none" w="med" len="med"/>
+                      <a:tailEnd type="none" w="med" len="med"/>
+                    </a:lnL>
+                    <a:lnR w="6350" cap="flat" cmpd="sng" algn="ctr">
+                      <a:solidFill>
+                        <a:srgbClr val="000000"/>
+                      </a:solidFill>
+                      <a:prstDash val="solid"/>
+                      <a:round/>
+                      <a:headEnd type="none" w="med" len="med"/>
+                      <a:tailEnd type="none" w="med" len="med"/>
+                    </a:lnR>
+                    <a:lnT w="6350" cap="flat" cmpd="sng" algn="ctr">
+                      <a:solidFill>
+                        <a:srgbClr val="000000"/>
+                      </a:solidFill>
+                      <a:prstDash val="solid"/>
+                      <a:round/>
+                      <a:headEnd type="none" w="med" len="med"/>
+                      <a:tailEnd type="none" w="med" len="med"/>
+                    </a:lnT>
+                    <a:lnB w="6350" cap="flat" cmpd="sng" algn="ctr">
+                      <a:solidFill>
+                        <a:srgbClr val="000000"/>
+                      </a:solidFill>
+                      <a:prstDash val="solid"/>
+                      <a:round/>
+                      <a:headEnd type="none" w="med" len="med"/>
+                      <a:tailEnd type="none" w="med" len="med"/>
+                    </a:lnB>
+                    <a:noFill/>
+                  </a:tcPr>
+                </a:tc>
+                <a:tc>
+                  <a:txBody>
+                    <a:bodyPr/>
+                    <a:lstStyle/>
+                    <a:p>
+                      <a:pPr algn="ctr" fontAlgn="ctr"/>
+                      <a:r>
+                        <a:rPr lang="en-US" sz="1100" b="1" i="0" u="none" strike="noStrike">
+                          <a:solidFill>
+                            <a:srgbClr val="000000"/>
+                          </a:solidFill>
+                          <a:effectLst/>
+                          <a:latin typeface="Aptos Narrow" panose="020B0004020202020204" pitchFamily="34" charset="0"/>
+                        </a:rPr>
+                        <a:t>GF (unique to GLC)</a:t>
+                      </a:r>
+                    </a:p>
+                  </a:txBody>
+                  <a:tcPr marL="7620" marR="7620" marT="7620" marB="0" anchor="ctr">
+                    <a:lnL w="6350" cap="flat" cmpd="sng" algn="ctr">
+                      <a:solidFill>
+                        <a:srgbClr val="000000"/>
+                      </a:solidFill>
+                      <a:prstDash val="solid"/>
+                      <a:round/>
+                      <a:headEnd type="none" w="med" len="med"/>
+                      <a:tailEnd type="none" w="med" len="med"/>
+                    </a:lnL>
+                    <a:lnR w="6350" cap="flat" cmpd="sng" algn="ctr">
+                      <a:solidFill>
+                        <a:srgbClr val="000000"/>
+                      </a:solidFill>
+                      <a:prstDash val="solid"/>
+                      <a:round/>
+                      <a:headEnd type="none" w="med" len="med"/>
+                      <a:tailEnd type="none" w="med" len="med"/>
+                    </a:lnR>
+                    <a:lnT w="6350" cap="flat" cmpd="sng" algn="ctr">
+                      <a:solidFill>
+                        <a:srgbClr val="000000"/>
+                      </a:solidFill>
+                      <a:prstDash val="solid"/>
+                      <a:round/>
+                      <a:headEnd type="none" w="med" len="med"/>
+                      <a:tailEnd type="none" w="med" len="med"/>
+                    </a:lnT>
+                    <a:lnB w="6350" cap="flat" cmpd="sng" algn="ctr">
+                      <a:solidFill>
+                        <a:srgbClr val="000000"/>
+                      </a:solidFill>
+                      <a:prstDash val="solid"/>
+                      <a:round/>
+                      <a:headEnd type="none" w="med" len="med"/>
+                      <a:tailEnd type="none" w="med" len="med"/>
+                    </a:lnB>
+                    <a:noFill/>
+                  </a:tcPr>
+                </a:tc>
+                <a:tc>
+                  <a:txBody>
+                    <a:bodyPr/>
+                    <a:lstStyle/>
+                    <a:p>
+                      <a:pPr algn="ctr" fontAlgn="ctr"/>
+                      <a:r>
+                        <a:rPr lang="en-US" sz="1100" b="1" i="0" u="none" strike="noStrike">
+                          <a:solidFill>
+                            <a:srgbClr val="000000"/>
+                          </a:solidFill>
+                          <a:effectLst/>
+                          <a:latin typeface="Aptos Narrow" panose="020B0004020202020204" pitchFamily="34" charset="0"/>
+                        </a:rPr>
+                        <a:t>GF (unique to LB)</a:t>
+                      </a:r>
+                    </a:p>
+                  </a:txBody>
+                  <a:tcPr marL="7620" marR="7620" marT="7620" marB="0" anchor="ctr">
+                    <a:lnL w="6350" cap="flat" cmpd="sng" algn="ctr">
+                      <a:solidFill>
+                        <a:srgbClr val="000000"/>
+                      </a:solidFill>
+                      <a:prstDash val="solid"/>
+                      <a:round/>
+                      <a:headEnd type="none" w="med" len="med"/>
+                      <a:tailEnd type="none" w="med" len="med"/>
+                    </a:lnL>
+                    <a:lnR w="6350" cap="flat" cmpd="sng" algn="ctr">
+                      <a:solidFill>
+                        <a:srgbClr val="000000"/>
+                      </a:solidFill>
+                      <a:prstDash val="solid"/>
+                      <a:round/>
+                      <a:headEnd type="none" w="med" len="med"/>
+                      <a:tailEnd type="none" w="med" len="med"/>
+                    </a:lnR>
+                    <a:lnT w="6350" cap="flat" cmpd="sng" algn="ctr">
+                      <a:solidFill>
+                        <a:srgbClr val="000000"/>
+                      </a:solidFill>
+                      <a:prstDash val="solid"/>
+                      <a:round/>
+                      <a:headEnd type="none" w="med" len="med"/>
+                      <a:tailEnd type="none" w="med" len="med"/>
+                    </a:lnT>
+                    <a:lnB w="6350" cap="flat" cmpd="sng" algn="ctr">
+                      <a:solidFill>
+                        <a:srgbClr val="000000"/>
+                      </a:solidFill>
+                      <a:prstDash val="solid"/>
+                      <a:round/>
+                      <a:headEnd type="none" w="med" len="med"/>
+                      <a:tailEnd type="none" w="med" len="med"/>
+                    </a:lnB>
+                    <a:noFill/>
+                  </a:tcPr>
+                </a:tc>
+                <a:extLst>
+                  <a:ext uri="{0D108BD9-81ED-4DB2-BD59-A6C34878D82A}">
+                    <a16:rowId xmlns:a16="http://schemas.microsoft.com/office/drawing/2014/main" val="1761275298"/>
+                  </a:ext>
+                </a:extLst>
+              </a:tr>
+              <a:tr h="365760">
+                <a:tc>
+                  <a:txBody>
+                    <a:bodyPr/>
+                    <a:lstStyle/>
+                    <a:p>
+                      <a:pPr algn="ctr" fontAlgn="ctr"/>
+                      <a:r>
+                        <a:rPr lang="en-US" sz="1100" b="1" i="0" u="none" strike="noStrike">
+                          <a:solidFill>
+                            <a:srgbClr val="000000"/>
+                          </a:solidFill>
+                          <a:effectLst/>
+                          <a:latin typeface="Aptos Narrow" panose="020B0004020202020204" pitchFamily="34" charset="0"/>
+                        </a:rPr>
+                        <a:t>KEGG RXN</a:t>
+                      </a:r>
+                    </a:p>
+                  </a:txBody>
+                  <a:tcPr marL="7620" marR="7620" marT="7620" marB="0" anchor="ctr">
+                    <a:lnL w="6350" cap="flat" cmpd="sng" algn="ctr">
+                      <a:solidFill>
+                        <a:srgbClr val="000000"/>
+                      </a:solidFill>
+                      <a:prstDash val="solid"/>
+                      <a:round/>
+                      <a:headEnd type="none" w="med" len="med"/>
+                      <a:tailEnd type="none" w="med" len="med"/>
+                    </a:lnL>
+                    <a:lnR w="6350" cap="flat" cmpd="sng" algn="ctr">
+                      <a:solidFill>
+                        <a:srgbClr val="000000"/>
+                      </a:solidFill>
+                      <a:prstDash val="solid"/>
+                      <a:round/>
+                      <a:headEnd type="none" w="med" len="med"/>
+                      <a:tailEnd type="none" w="med" len="med"/>
+                    </a:lnR>
+                    <a:lnT w="6350" cap="flat" cmpd="sng" algn="ctr">
+                      <a:solidFill>
+                        <a:srgbClr val="000000"/>
+                      </a:solidFill>
+                      <a:prstDash val="solid"/>
+                      <a:round/>
+                      <a:headEnd type="none" w="med" len="med"/>
+                      <a:tailEnd type="none" w="med" len="med"/>
+                    </a:lnT>
+                    <a:lnB w="6350" cap="flat" cmpd="sng" algn="ctr">
+                      <a:solidFill>
+                        <a:srgbClr val="000000"/>
+                      </a:solidFill>
+                      <a:prstDash val="solid"/>
+                      <a:round/>
+                      <a:headEnd type="none" w="med" len="med"/>
+                      <a:tailEnd type="none" w="med" len="med"/>
+                    </a:lnB>
+                    <a:noFill/>
+                  </a:tcPr>
+                </a:tc>
+                <a:tc>
+                  <a:txBody>
+                    <a:bodyPr/>
+                    <a:lstStyle/>
+                    <a:p>
+                      <a:pPr algn="r" fontAlgn="ctr"/>
+                      <a:r>
+                        <a:rPr lang="en-IL" sz="1100" b="0" i="0" u="none" strike="noStrike">
+                          <a:solidFill>
+                            <a:srgbClr val="000000"/>
+                          </a:solidFill>
+                          <a:effectLst/>
+                          <a:latin typeface="Aptos Narrow" panose="020B0004020202020204" pitchFamily="34" charset="0"/>
+                        </a:rPr>
+                        <a:t>20</a:t>
+                      </a:r>
+                    </a:p>
+                  </a:txBody>
+                  <a:tcPr marL="7620" marR="7620" marT="7620" marB="0" anchor="ctr">
+                    <a:lnL w="6350" cap="flat" cmpd="sng" algn="ctr">
+                      <a:solidFill>
+                        <a:srgbClr val="000000"/>
+                      </a:solidFill>
+                      <a:prstDash val="solid"/>
+                      <a:round/>
+                      <a:headEnd type="none" w="med" len="med"/>
+                      <a:tailEnd type="none" w="med" len="med"/>
+                    </a:lnL>
+                    <a:lnR w="6350" cap="flat" cmpd="sng" algn="ctr">
+                      <a:solidFill>
+                        <a:srgbClr val="000000"/>
+                      </a:solidFill>
+                      <a:prstDash val="solid"/>
+                      <a:round/>
+                      <a:headEnd type="none" w="med" len="med"/>
+                      <a:tailEnd type="none" w="med" len="med"/>
+                    </a:lnR>
+                    <a:lnT w="6350" cap="flat" cmpd="sng" algn="ctr">
+                      <a:solidFill>
+                        <a:srgbClr val="000000"/>
+                      </a:solidFill>
+                      <a:prstDash val="solid"/>
+                      <a:round/>
+                      <a:headEnd type="none" w="med" len="med"/>
+                      <a:tailEnd type="none" w="med" len="med"/>
+                    </a:lnT>
+                    <a:lnB w="6350" cap="flat" cmpd="sng" algn="ctr">
+                      <a:solidFill>
+                        <a:srgbClr val="000000"/>
+                      </a:solidFill>
+                      <a:prstDash val="solid"/>
+                      <a:round/>
+                      <a:headEnd type="none" w="med" len="med"/>
+                      <a:tailEnd type="none" w="med" len="med"/>
+                    </a:lnB>
+                    <a:noFill/>
+                  </a:tcPr>
+                </a:tc>
+                <a:tc>
+                  <a:txBody>
+                    <a:bodyPr/>
+                    <a:lstStyle/>
+                    <a:p>
+                      <a:pPr algn="r" fontAlgn="ctr"/>
+                      <a:r>
+                        <a:rPr lang="en-IL" sz="1100" b="0" i="0" u="none" strike="noStrike">
+                          <a:solidFill>
+                            <a:srgbClr val="000000"/>
+                          </a:solidFill>
+                          <a:effectLst/>
+                          <a:latin typeface="Aptos Narrow" panose="020B0004020202020204" pitchFamily="34" charset="0"/>
+                        </a:rPr>
+                        <a:t>0</a:t>
+                      </a:r>
+                    </a:p>
+                  </a:txBody>
+                  <a:tcPr marL="7620" marR="7620" marT="7620" marB="0" anchor="ctr">
+                    <a:lnL w="6350" cap="flat" cmpd="sng" algn="ctr">
+                      <a:solidFill>
+                        <a:srgbClr val="000000"/>
+                      </a:solidFill>
+                      <a:prstDash val="solid"/>
+                      <a:round/>
+                      <a:headEnd type="none" w="med" len="med"/>
+                      <a:tailEnd type="none" w="med" len="med"/>
+                    </a:lnL>
+                    <a:lnR w="6350" cap="flat" cmpd="sng" algn="ctr">
+                      <a:solidFill>
+                        <a:srgbClr val="000000"/>
+                      </a:solidFill>
+                      <a:prstDash val="solid"/>
+                      <a:round/>
+                      <a:headEnd type="none" w="med" len="med"/>
+                      <a:tailEnd type="none" w="med" len="med"/>
+                    </a:lnR>
+                    <a:lnT w="6350" cap="flat" cmpd="sng" algn="ctr">
+                      <a:solidFill>
+                        <a:srgbClr val="000000"/>
+                      </a:solidFill>
+                      <a:prstDash val="solid"/>
+                      <a:round/>
+                      <a:headEnd type="none" w="med" len="med"/>
+                      <a:tailEnd type="none" w="med" len="med"/>
+                    </a:lnT>
+                    <a:lnB w="6350" cap="flat" cmpd="sng" algn="ctr">
+                      <a:solidFill>
+                        <a:srgbClr val="000000"/>
+                      </a:solidFill>
+                      <a:prstDash val="solid"/>
+                      <a:round/>
+                      <a:headEnd type="none" w="med" len="med"/>
+                      <a:tailEnd type="none" w="med" len="med"/>
+                    </a:lnB>
+                    <a:noFill/>
+                  </a:tcPr>
+                </a:tc>
+                <a:tc>
+                  <a:txBody>
+                    <a:bodyPr/>
+                    <a:lstStyle/>
+                    <a:p>
+                      <a:pPr algn="r" fontAlgn="ctr"/>
+                      <a:r>
+                        <a:rPr lang="en-IL" sz="1100" b="0" i="0" u="none" strike="noStrike">
+                          <a:solidFill>
+                            <a:srgbClr val="000000"/>
+                          </a:solidFill>
+                          <a:effectLst/>
+                          <a:latin typeface="Aptos Narrow" panose="020B0004020202020204" pitchFamily="34" charset="0"/>
+                        </a:rPr>
+                        <a:t>0</a:t>
+                      </a:r>
+                    </a:p>
+                  </a:txBody>
+                  <a:tcPr marL="7620" marR="7620" marT="7620" marB="0" anchor="ctr">
+                    <a:lnL w="6350" cap="flat" cmpd="sng" algn="ctr">
+                      <a:solidFill>
+                        <a:srgbClr val="000000"/>
+                      </a:solidFill>
+                      <a:prstDash val="solid"/>
+                      <a:round/>
+                      <a:headEnd type="none" w="med" len="med"/>
+                      <a:tailEnd type="none" w="med" len="med"/>
+                    </a:lnL>
+                    <a:lnR w="6350" cap="flat" cmpd="sng" algn="ctr">
+                      <a:solidFill>
+                        <a:srgbClr val="000000"/>
+                      </a:solidFill>
+                      <a:prstDash val="solid"/>
+                      <a:round/>
+                      <a:headEnd type="none" w="med" len="med"/>
+                      <a:tailEnd type="none" w="med" len="med"/>
+                    </a:lnR>
+                    <a:lnT w="6350" cap="flat" cmpd="sng" algn="ctr">
+                      <a:solidFill>
+                        <a:srgbClr val="000000"/>
+                      </a:solidFill>
+                      <a:prstDash val="solid"/>
+                      <a:round/>
+                      <a:headEnd type="none" w="med" len="med"/>
+                      <a:tailEnd type="none" w="med" len="med"/>
+                    </a:lnT>
+                    <a:lnB w="6350" cap="flat" cmpd="sng" algn="ctr">
+                      <a:solidFill>
+                        <a:srgbClr val="000000"/>
+                      </a:solidFill>
+                      <a:prstDash val="solid"/>
+                      <a:round/>
+                      <a:headEnd type="none" w="med" len="med"/>
+                      <a:tailEnd type="none" w="med" len="med"/>
+                    </a:lnB>
+                    <a:noFill/>
+                  </a:tcPr>
+                </a:tc>
+                <a:tc>
+                  <a:txBody>
+                    <a:bodyPr/>
+                    <a:lstStyle/>
+                    <a:p>
+                      <a:pPr algn="r" fontAlgn="ctr"/>
+                      <a:r>
+                        <a:rPr lang="en-IL" sz="1100" b="0" i="0" u="none" strike="noStrike">
+                          <a:solidFill>
+                            <a:srgbClr val="000000"/>
+                          </a:solidFill>
+                          <a:effectLst/>
+                          <a:latin typeface="Aptos Narrow" panose="020B0004020202020204" pitchFamily="34" charset="0"/>
+                        </a:rPr>
+                        <a:t>0</a:t>
+                      </a:r>
+                    </a:p>
+                  </a:txBody>
+                  <a:tcPr marL="7620" marR="7620" marT="7620" marB="0" anchor="ctr">
+                    <a:lnL w="6350" cap="flat" cmpd="sng" algn="ctr">
+                      <a:solidFill>
+                        <a:srgbClr val="000000"/>
+                      </a:solidFill>
+                      <a:prstDash val="solid"/>
+                      <a:round/>
+                      <a:headEnd type="none" w="med" len="med"/>
+                      <a:tailEnd type="none" w="med" len="med"/>
+                    </a:lnL>
+                    <a:lnR w="6350" cap="flat" cmpd="sng" algn="ctr">
+                      <a:solidFill>
+                        <a:srgbClr val="000000"/>
+                      </a:solidFill>
+                      <a:prstDash val="solid"/>
+                      <a:round/>
+                      <a:headEnd type="none" w="med" len="med"/>
+                      <a:tailEnd type="none" w="med" len="med"/>
+                    </a:lnR>
+                    <a:lnT w="6350" cap="flat" cmpd="sng" algn="ctr">
+                      <a:solidFill>
+                        <a:srgbClr val="000000"/>
+                      </a:solidFill>
+                      <a:prstDash val="solid"/>
+                      <a:round/>
+                      <a:headEnd type="none" w="med" len="med"/>
+                      <a:tailEnd type="none" w="med" len="med"/>
+                    </a:lnT>
+                    <a:lnB w="6350" cap="flat" cmpd="sng" algn="ctr">
+                      <a:solidFill>
+                        <a:srgbClr val="000000"/>
+                      </a:solidFill>
+                      <a:prstDash val="solid"/>
+                      <a:round/>
+                      <a:headEnd type="none" w="med" len="med"/>
+                      <a:tailEnd type="none" w="med" len="med"/>
+                    </a:lnB>
+                    <a:noFill/>
+                  </a:tcPr>
+                </a:tc>
+                <a:extLst>
+                  <a:ext uri="{0D108BD9-81ED-4DB2-BD59-A6C34878D82A}">
+                    <a16:rowId xmlns:a16="http://schemas.microsoft.com/office/drawing/2014/main" val="1774267438"/>
+                  </a:ext>
+                </a:extLst>
+              </a:tr>
+              <a:tr h="365760">
+                <a:tc>
+                  <a:txBody>
+                    <a:bodyPr/>
+                    <a:lstStyle/>
+                    <a:p>
+                      <a:pPr algn="ctr" fontAlgn="ctr"/>
+                      <a:r>
+                        <a:rPr lang="en-US" sz="1100" b="1" i="0" u="none" strike="noStrike" dirty="0">
+                          <a:solidFill>
+                            <a:srgbClr val="000000"/>
+                          </a:solidFill>
+                          <a:effectLst/>
+                          <a:latin typeface="Aptos Narrow" panose="020B0004020202020204" pitchFamily="34" charset="0"/>
+                        </a:rPr>
+                        <a:t>MS RXN</a:t>
+                      </a:r>
+                    </a:p>
+                  </a:txBody>
+                  <a:tcPr marL="7620" marR="7620" marT="7620" marB="0" anchor="ctr">
+                    <a:lnL w="6350" cap="flat" cmpd="sng" algn="ctr">
+                      <a:solidFill>
+                        <a:srgbClr val="000000"/>
+                      </a:solidFill>
+                      <a:prstDash val="solid"/>
+                      <a:round/>
+                      <a:headEnd type="none" w="med" len="med"/>
+                      <a:tailEnd type="none" w="med" len="med"/>
+                    </a:lnL>
+                    <a:lnR w="6350" cap="flat" cmpd="sng" algn="ctr">
+                      <a:solidFill>
+                        <a:srgbClr val="000000"/>
+                      </a:solidFill>
+                      <a:prstDash val="solid"/>
+                      <a:round/>
+                      <a:headEnd type="none" w="med" len="med"/>
+                      <a:tailEnd type="none" w="med" len="med"/>
+                    </a:lnR>
+                    <a:lnT w="6350" cap="flat" cmpd="sng" algn="ctr">
+                      <a:solidFill>
+                        <a:srgbClr val="000000"/>
+                      </a:solidFill>
+                      <a:prstDash val="solid"/>
+                      <a:round/>
+                      <a:headEnd type="none" w="med" len="med"/>
+                      <a:tailEnd type="none" w="med" len="med"/>
+                    </a:lnT>
+                    <a:lnB w="6350" cap="flat" cmpd="sng" algn="ctr">
+                      <a:solidFill>
+                        <a:srgbClr val="000000"/>
+                      </a:solidFill>
+                      <a:prstDash val="solid"/>
+                      <a:round/>
+                      <a:headEnd type="none" w="med" len="med"/>
+                      <a:tailEnd type="none" w="med" len="med"/>
+                    </a:lnB>
+                    <a:noFill/>
+                  </a:tcPr>
+                </a:tc>
+                <a:tc>
+                  <a:txBody>
+                    <a:bodyPr/>
+                    <a:lstStyle/>
+                    <a:p>
+                      <a:pPr algn="r" fontAlgn="ctr"/>
+                      <a:r>
+                        <a:rPr lang="en-IL" sz="1100" b="0" i="0" u="none" strike="noStrike">
+                          <a:solidFill>
+                            <a:srgbClr val="000000"/>
+                          </a:solidFill>
+                          <a:effectLst/>
+                          <a:latin typeface="Aptos Narrow" panose="020B0004020202020204" pitchFamily="34" charset="0"/>
+                        </a:rPr>
+                        <a:t>987</a:t>
+                      </a:r>
+                    </a:p>
+                  </a:txBody>
+                  <a:tcPr marL="7620" marR="7620" marT="7620" marB="0" anchor="ctr">
+                    <a:lnL w="6350" cap="flat" cmpd="sng" algn="ctr">
+                      <a:solidFill>
+                        <a:srgbClr val="000000"/>
+                      </a:solidFill>
+                      <a:prstDash val="solid"/>
+                      <a:round/>
+                      <a:headEnd type="none" w="med" len="med"/>
+                      <a:tailEnd type="none" w="med" len="med"/>
+                    </a:lnL>
+                    <a:lnR w="6350" cap="flat" cmpd="sng" algn="ctr">
+                      <a:solidFill>
+                        <a:srgbClr val="000000"/>
+                      </a:solidFill>
+                      <a:prstDash val="solid"/>
+                      <a:round/>
+                      <a:headEnd type="none" w="med" len="med"/>
+                      <a:tailEnd type="none" w="med" len="med"/>
+                    </a:lnR>
+                    <a:lnT w="6350" cap="flat" cmpd="sng" algn="ctr">
+                      <a:solidFill>
+                        <a:srgbClr val="000000"/>
+                      </a:solidFill>
+                      <a:prstDash val="solid"/>
+                      <a:round/>
+                      <a:headEnd type="none" w="med" len="med"/>
+                      <a:tailEnd type="none" w="med" len="med"/>
+                    </a:lnT>
+                    <a:lnB w="6350" cap="flat" cmpd="sng" algn="ctr">
+                      <a:solidFill>
+                        <a:srgbClr val="000000"/>
+                      </a:solidFill>
+                      <a:prstDash val="solid"/>
+                      <a:round/>
+                      <a:headEnd type="none" w="med" len="med"/>
+                      <a:tailEnd type="none" w="med" len="med"/>
+                    </a:lnB>
+                    <a:noFill/>
+                  </a:tcPr>
+                </a:tc>
+                <a:tc>
+                  <a:txBody>
+                    <a:bodyPr/>
+                    <a:lstStyle/>
+                    <a:p>
+                      <a:pPr algn="r" fontAlgn="ctr"/>
+                      <a:r>
+                        <a:rPr lang="en-IL" sz="1100" b="0" i="0" u="none" strike="noStrike">
+                          <a:solidFill>
+                            <a:srgbClr val="000000"/>
+                          </a:solidFill>
+                          <a:effectLst/>
+                          <a:latin typeface="Aptos Narrow" panose="020B0004020202020204" pitchFamily="34" charset="0"/>
+                        </a:rPr>
+                        <a:t>5</a:t>
+                      </a:r>
+                    </a:p>
+                  </a:txBody>
+                  <a:tcPr marL="7620" marR="7620" marT="7620" marB="0" anchor="ctr">
+                    <a:lnL w="6350" cap="flat" cmpd="sng" algn="ctr">
+                      <a:solidFill>
+                        <a:srgbClr val="000000"/>
+                      </a:solidFill>
+                      <a:prstDash val="solid"/>
+                      <a:round/>
+                      <a:headEnd type="none" w="med" len="med"/>
+                      <a:tailEnd type="none" w="med" len="med"/>
+                    </a:lnL>
+                    <a:lnR w="6350" cap="flat" cmpd="sng" algn="ctr">
+                      <a:solidFill>
+                        <a:srgbClr val="000000"/>
+                      </a:solidFill>
+                      <a:prstDash val="solid"/>
+                      <a:round/>
+                      <a:headEnd type="none" w="med" len="med"/>
+                      <a:tailEnd type="none" w="med" len="med"/>
+                    </a:lnR>
+                    <a:lnT w="6350" cap="flat" cmpd="sng" algn="ctr">
+                      <a:solidFill>
+                        <a:srgbClr val="000000"/>
+                      </a:solidFill>
+                      <a:prstDash val="solid"/>
+                      <a:round/>
+                      <a:headEnd type="none" w="med" len="med"/>
+                      <a:tailEnd type="none" w="med" len="med"/>
+                    </a:lnT>
+                    <a:lnB w="6350" cap="flat" cmpd="sng" algn="ctr">
+                      <a:solidFill>
+                        <a:srgbClr val="000000"/>
+                      </a:solidFill>
+                      <a:prstDash val="solid"/>
+                      <a:round/>
+                      <a:headEnd type="none" w="med" len="med"/>
+                      <a:tailEnd type="none" w="med" len="med"/>
+                    </a:lnB>
+                    <a:noFill/>
+                  </a:tcPr>
+                </a:tc>
+                <a:tc>
+                  <a:txBody>
+                    <a:bodyPr/>
+                    <a:lstStyle/>
+                    <a:p>
+                      <a:pPr algn="r" fontAlgn="ctr"/>
+                      <a:r>
+                        <a:rPr lang="en-IL" sz="1100" b="0" i="0" u="none" strike="noStrike">
+                          <a:solidFill>
+                            <a:srgbClr val="000000"/>
+                          </a:solidFill>
+                          <a:effectLst/>
+                          <a:latin typeface="Aptos Narrow" panose="020B0004020202020204" pitchFamily="34" charset="0"/>
+                        </a:rPr>
+                        <a:t>0</a:t>
+                      </a:r>
+                    </a:p>
+                  </a:txBody>
+                  <a:tcPr marL="7620" marR="7620" marT="7620" marB="0" anchor="ctr">
+                    <a:lnL w="6350" cap="flat" cmpd="sng" algn="ctr">
+                      <a:solidFill>
+                        <a:srgbClr val="000000"/>
+                      </a:solidFill>
+                      <a:prstDash val="solid"/>
+                      <a:round/>
+                      <a:headEnd type="none" w="med" len="med"/>
+                      <a:tailEnd type="none" w="med" len="med"/>
+                    </a:lnL>
+                    <a:lnR w="6350" cap="flat" cmpd="sng" algn="ctr">
+                      <a:solidFill>
+                        <a:srgbClr val="000000"/>
+                      </a:solidFill>
+                      <a:prstDash val="solid"/>
+                      <a:round/>
+                      <a:headEnd type="none" w="med" len="med"/>
+                      <a:tailEnd type="none" w="med" len="med"/>
+                    </a:lnR>
+                    <a:lnT w="6350" cap="flat" cmpd="sng" algn="ctr">
+                      <a:solidFill>
+                        <a:srgbClr val="000000"/>
+                      </a:solidFill>
+                      <a:prstDash val="solid"/>
+                      <a:round/>
+                      <a:headEnd type="none" w="med" len="med"/>
+                      <a:tailEnd type="none" w="med" len="med"/>
+                    </a:lnT>
+                    <a:lnB w="6350" cap="flat" cmpd="sng" algn="ctr">
+                      <a:solidFill>
+                        <a:srgbClr val="000000"/>
+                      </a:solidFill>
+                      <a:prstDash val="solid"/>
+                      <a:round/>
+                      <a:headEnd type="none" w="med" len="med"/>
+                      <a:tailEnd type="none" w="med" len="med"/>
+                    </a:lnB>
+                    <a:noFill/>
+                  </a:tcPr>
+                </a:tc>
+                <a:tc>
+                  <a:txBody>
+                    <a:bodyPr/>
+                    <a:lstStyle/>
+                    <a:p>
+                      <a:pPr algn="r" fontAlgn="ctr"/>
+                      <a:r>
+                        <a:rPr lang="en-IL" sz="1100" b="0" i="0" u="none" strike="noStrike">
+                          <a:solidFill>
+                            <a:srgbClr val="000000"/>
+                          </a:solidFill>
+                          <a:effectLst/>
+                          <a:latin typeface="Aptos Narrow" panose="020B0004020202020204" pitchFamily="34" charset="0"/>
+                        </a:rPr>
+                        <a:t>1</a:t>
+                      </a:r>
+                    </a:p>
+                  </a:txBody>
+                  <a:tcPr marL="7620" marR="7620" marT="7620" marB="0" anchor="ctr">
+                    <a:lnL w="6350" cap="flat" cmpd="sng" algn="ctr">
+                      <a:solidFill>
+                        <a:srgbClr val="000000"/>
+                      </a:solidFill>
+                      <a:prstDash val="solid"/>
+                      <a:round/>
+                      <a:headEnd type="none" w="med" len="med"/>
+                      <a:tailEnd type="none" w="med" len="med"/>
+                    </a:lnL>
+                    <a:lnR w="6350" cap="flat" cmpd="sng" algn="ctr">
+                      <a:solidFill>
+                        <a:srgbClr val="000000"/>
+                      </a:solidFill>
+                      <a:prstDash val="solid"/>
+                      <a:round/>
+                      <a:headEnd type="none" w="med" len="med"/>
+                      <a:tailEnd type="none" w="med" len="med"/>
+                    </a:lnR>
+                    <a:lnT w="6350" cap="flat" cmpd="sng" algn="ctr">
+                      <a:solidFill>
+                        <a:srgbClr val="000000"/>
+                      </a:solidFill>
+                      <a:prstDash val="solid"/>
+                      <a:round/>
+                      <a:headEnd type="none" w="med" len="med"/>
+                      <a:tailEnd type="none" w="med" len="med"/>
+                    </a:lnT>
+                    <a:lnB w="6350" cap="flat" cmpd="sng" algn="ctr">
+                      <a:solidFill>
+                        <a:srgbClr val="000000"/>
+                      </a:solidFill>
+                      <a:prstDash val="solid"/>
+                      <a:round/>
+                      <a:headEnd type="none" w="med" len="med"/>
+                      <a:tailEnd type="none" w="med" len="med"/>
+                    </a:lnB>
+                    <a:noFill/>
+                  </a:tcPr>
+                </a:tc>
+                <a:extLst>
+                  <a:ext uri="{0D108BD9-81ED-4DB2-BD59-A6C34878D82A}">
+                    <a16:rowId xmlns:a16="http://schemas.microsoft.com/office/drawing/2014/main" val="1812155942"/>
+                  </a:ext>
+                </a:extLst>
+              </a:tr>
+              <a:tr h="182880">
+                <a:tc>
+                  <a:txBody>
+                    <a:bodyPr/>
+                    <a:lstStyle/>
+                    <a:p>
+                      <a:pPr algn="ctr" fontAlgn="ctr"/>
+                      <a:r>
+                        <a:rPr lang="en-US" sz="1100" b="1" i="0" u="none" strike="noStrike">
+                          <a:solidFill>
+                            <a:srgbClr val="000000"/>
+                          </a:solidFill>
+                          <a:effectLst/>
+                          <a:latin typeface="Aptos Narrow" panose="020B0004020202020204" pitchFamily="34" charset="0"/>
+                        </a:rPr>
+                        <a:t>No</a:t>
+                      </a:r>
+                    </a:p>
+                  </a:txBody>
+                  <a:tcPr marL="7620" marR="7620" marT="7620" marB="0" anchor="ctr">
+                    <a:lnL w="6350" cap="flat" cmpd="sng" algn="ctr">
+                      <a:solidFill>
+                        <a:srgbClr val="000000"/>
+                      </a:solidFill>
+                      <a:prstDash val="solid"/>
+                      <a:round/>
+                      <a:headEnd type="none" w="med" len="med"/>
+                      <a:tailEnd type="none" w="med" len="med"/>
+                    </a:lnL>
+                    <a:lnR w="6350" cap="flat" cmpd="sng" algn="ctr">
+                      <a:solidFill>
+                        <a:srgbClr val="000000"/>
+                      </a:solidFill>
+                      <a:prstDash val="solid"/>
+                      <a:round/>
+                      <a:headEnd type="none" w="med" len="med"/>
+                      <a:tailEnd type="none" w="med" len="med"/>
+                    </a:lnR>
+                    <a:lnT w="6350" cap="flat" cmpd="sng" algn="ctr">
+                      <a:solidFill>
+                        <a:srgbClr val="000000"/>
+                      </a:solidFill>
+                      <a:prstDash val="solid"/>
+                      <a:round/>
+                      <a:headEnd type="none" w="med" len="med"/>
+                      <a:tailEnd type="none" w="med" len="med"/>
+                    </a:lnT>
+                    <a:lnB w="6350" cap="flat" cmpd="sng" algn="ctr">
+                      <a:solidFill>
+                        <a:srgbClr val="000000"/>
+                      </a:solidFill>
+                      <a:prstDash val="solid"/>
+                      <a:round/>
+                      <a:headEnd type="none" w="med" len="med"/>
+                      <a:tailEnd type="none" w="med" len="med"/>
+                    </a:lnB>
+                    <a:noFill/>
+                  </a:tcPr>
+                </a:tc>
+                <a:tc>
+                  <a:txBody>
+                    <a:bodyPr/>
+                    <a:lstStyle/>
+                    <a:p>
+                      <a:pPr algn="r" fontAlgn="ctr"/>
+                      <a:r>
+                        <a:rPr lang="en-IL" sz="1100" b="0" i="0" u="none" strike="noStrike">
+                          <a:solidFill>
+                            <a:srgbClr val="000000"/>
+                          </a:solidFill>
+                          <a:effectLst/>
+                          <a:latin typeface="Aptos Narrow" panose="020B0004020202020204" pitchFamily="34" charset="0"/>
+                        </a:rPr>
+                        <a:t>241</a:t>
+                      </a:r>
+                    </a:p>
+                  </a:txBody>
+                  <a:tcPr marL="7620" marR="7620" marT="7620" marB="0" anchor="ctr">
+                    <a:lnL w="6350" cap="flat" cmpd="sng" algn="ctr">
+                      <a:solidFill>
+                        <a:srgbClr val="000000"/>
+                      </a:solidFill>
+                      <a:prstDash val="solid"/>
+                      <a:round/>
+                      <a:headEnd type="none" w="med" len="med"/>
+                      <a:tailEnd type="none" w="med" len="med"/>
+                    </a:lnL>
+                    <a:lnR w="6350" cap="flat" cmpd="sng" algn="ctr">
+                      <a:solidFill>
+                        <a:srgbClr val="000000"/>
+                      </a:solidFill>
+                      <a:prstDash val="solid"/>
+                      <a:round/>
+                      <a:headEnd type="none" w="med" len="med"/>
+                      <a:tailEnd type="none" w="med" len="med"/>
+                    </a:lnR>
+                    <a:lnT w="6350" cap="flat" cmpd="sng" algn="ctr">
+                      <a:solidFill>
+                        <a:srgbClr val="000000"/>
+                      </a:solidFill>
+                      <a:prstDash val="solid"/>
+                      <a:round/>
+                      <a:headEnd type="none" w="med" len="med"/>
+                      <a:tailEnd type="none" w="med" len="med"/>
+                    </a:lnT>
+                    <a:lnB w="6350" cap="flat" cmpd="sng" algn="ctr">
+                      <a:solidFill>
+                        <a:srgbClr val="000000"/>
+                      </a:solidFill>
+                      <a:prstDash val="solid"/>
+                      <a:round/>
+                      <a:headEnd type="none" w="med" len="med"/>
+                      <a:tailEnd type="none" w="med" len="med"/>
+                    </a:lnB>
+                    <a:noFill/>
+                  </a:tcPr>
+                </a:tc>
+                <a:tc>
+                  <a:txBody>
+                    <a:bodyPr/>
+                    <a:lstStyle/>
+                    <a:p>
+                      <a:pPr algn="r" fontAlgn="ctr"/>
+                      <a:r>
+                        <a:rPr lang="en-IL" sz="1100" b="0" i="0" u="none" strike="noStrike">
+                          <a:solidFill>
+                            <a:srgbClr val="000000"/>
+                          </a:solidFill>
+                          <a:effectLst/>
+                          <a:latin typeface="Aptos Narrow" panose="020B0004020202020204" pitchFamily="34" charset="0"/>
+                        </a:rPr>
+                        <a:t>21</a:t>
+                      </a:r>
+                    </a:p>
+                  </a:txBody>
+                  <a:tcPr marL="7620" marR="7620" marT="7620" marB="0" anchor="ctr">
+                    <a:lnL w="6350" cap="flat" cmpd="sng" algn="ctr">
+                      <a:solidFill>
+                        <a:srgbClr val="000000"/>
+                      </a:solidFill>
+                      <a:prstDash val="solid"/>
+                      <a:round/>
+                      <a:headEnd type="none" w="med" len="med"/>
+                      <a:tailEnd type="none" w="med" len="med"/>
+                    </a:lnL>
+                    <a:lnR w="6350" cap="flat" cmpd="sng" algn="ctr">
+                      <a:solidFill>
+                        <a:srgbClr val="000000"/>
+                      </a:solidFill>
+                      <a:prstDash val="solid"/>
+                      <a:round/>
+                      <a:headEnd type="none" w="med" len="med"/>
+                      <a:tailEnd type="none" w="med" len="med"/>
+                    </a:lnR>
+                    <a:lnT w="6350" cap="flat" cmpd="sng" algn="ctr">
+                      <a:solidFill>
+                        <a:srgbClr val="000000"/>
+                      </a:solidFill>
+                      <a:prstDash val="solid"/>
+                      <a:round/>
+                      <a:headEnd type="none" w="med" len="med"/>
+                      <a:tailEnd type="none" w="med" len="med"/>
+                    </a:lnT>
+                    <a:lnB w="6350" cap="flat" cmpd="sng" algn="ctr">
+                      <a:solidFill>
+                        <a:srgbClr val="000000"/>
+                      </a:solidFill>
+                      <a:prstDash val="solid"/>
+                      <a:round/>
+                      <a:headEnd type="none" w="med" len="med"/>
+                      <a:tailEnd type="none" w="med" len="med"/>
+                    </a:lnB>
+                    <a:noFill/>
+                  </a:tcPr>
+                </a:tc>
+                <a:tc>
+                  <a:txBody>
+                    <a:bodyPr/>
+                    <a:lstStyle/>
+                    <a:p>
+                      <a:pPr algn="r" fontAlgn="ctr"/>
+                      <a:r>
+                        <a:rPr lang="en-IL" sz="1100" b="0" i="0" u="none" strike="noStrike">
+                          <a:solidFill>
+                            <a:srgbClr val="000000"/>
+                          </a:solidFill>
+                          <a:effectLst/>
+                          <a:latin typeface="Aptos Narrow" panose="020B0004020202020204" pitchFamily="34" charset="0"/>
+                        </a:rPr>
+                        <a:t>6</a:t>
+                      </a:r>
+                    </a:p>
+                  </a:txBody>
+                  <a:tcPr marL="7620" marR="7620" marT="7620" marB="0" anchor="ctr">
+                    <a:lnL w="6350" cap="flat" cmpd="sng" algn="ctr">
+                      <a:solidFill>
+                        <a:srgbClr val="000000"/>
+                      </a:solidFill>
+                      <a:prstDash val="solid"/>
+                      <a:round/>
+                      <a:headEnd type="none" w="med" len="med"/>
+                      <a:tailEnd type="none" w="med" len="med"/>
+                    </a:lnL>
+                    <a:lnR w="6350" cap="flat" cmpd="sng" algn="ctr">
+                      <a:solidFill>
+                        <a:srgbClr val="000000"/>
+                      </a:solidFill>
+                      <a:prstDash val="solid"/>
+                      <a:round/>
+                      <a:headEnd type="none" w="med" len="med"/>
+                      <a:tailEnd type="none" w="med" len="med"/>
+                    </a:lnR>
+                    <a:lnT w="6350" cap="flat" cmpd="sng" algn="ctr">
+                      <a:solidFill>
+                        <a:srgbClr val="000000"/>
+                      </a:solidFill>
+                      <a:prstDash val="solid"/>
+                      <a:round/>
+                      <a:headEnd type="none" w="med" len="med"/>
+                      <a:tailEnd type="none" w="med" len="med"/>
+                    </a:lnT>
+                    <a:lnB w="6350" cap="flat" cmpd="sng" algn="ctr">
+                      <a:solidFill>
+                        <a:srgbClr val="000000"/>
+                      </a:solidFill>
+                      <a:prstDash val="solid"/>
+                      <a:round/>
+                      <a:headEnd type="none" w="med" len="med"/>
+                      <a:tailEnd type="none" w="med" len="med"/>
+                    </a:lnB>
+                    <a:noFill/>
+                  </a:tcPr>
+                </a:tc>
+                <a:tc>
+                  <a:txBody>
+                    <a:bodyPr/>
+                    <a:lstStyle/>
+                    <a:p>
+                      <a:pPr algn="r" fontAlgn="ctr"/>
+                      <a:r>
+                        <a:rPr lang="en-IL" sz="1100" b="0" i="0" u="none" strike="noStrike" dirty="0">
+                          <a:solidFill>
+                            <a:srgbClr val="000000"/>
+                          </a:solidFill>
+                          <a:effectLst/>
+                          <a:latin typeface="Aptos Narrow" panose="020B0004020202020204" pitchFamily="34" charset="0"/>
+                        </a:rPr>
+                        <a:t>4</a:t>
+                      </a:r>
+                    </a:p>
+                  </a:txBody>
+                  <a:tcPr marL="7620" marR="7620" marT="7620" marB="0" anchor="ctr">
+                    <a:lnL w="6350" cap="flat" cmpd="sng" algn="ctr">
+                      <a:solidFill>
+                        <a:srgbClr val="000000"/>
+                      </a:solidFill>
+                      <a:prstDash val="solid"/>
+                      <a:round/>
+                      <a:headEnd type="none" w="med" len="med"/>
+                      <a:tailEnd type="none" w="med" len="med"/>
+                    </a:lnL>
+                    <a:lnR w="6350" cap="flat" cmpd="sng" algn="ctr">
+                      <a:solidFill>
+                        <a:srgbClr val="000000"/>
+                      </a:solidFill>
+                      <a:prstDash val="solid"/>
+                      <a:round/>
+                      <a:headEnd type="none" w="med" len="med"/>
+                      <a:tailEnd type="none" w="med" len="med"/>
+                    </a:lnR>
+                    <a:lnT w="6350" cap="flat" cmpd="sng" algn="ctr">
+                      <a:solidFill>
+                        <a:srgbClr val="000000"/>
+                      </a:solidFill>
+                      <a:prstDash val="solid"/>
+                      <a:round/>
+                      <a:headEnd type="none" w="med" len="med"/>
+                      <a:tailEnd type="none" w="med" len="med"/>
+                    </a:lnT>
+                    <a:lnB w="6350" cap="flat" cmpd="sng" algn="ctr">
+                      <a:solidFill>
+                        <a:srgbClr val="000000"/>
+                      </a:solidFill>
+                      <a:prstDash val="solid"/>
+                      <a:round/>
+                      <a:headEnd type="none" w="med" len="med"/>
+                      <a:tailEnd type="none" w="med" len="med"/>
+                    </a:lnB>
+                    <a:noFill/>
+                  </a:tcPr>
+                </a:tc>
+                <a:extLst>
+                  <a:ext uri="{0D108BD9-81ED-4DB2-BD59-A6C34878D82A}">
+                    <a16:rowId xmlns:a16="http://schemas.microsoft.com/office/drawing/2014/main" val="4197154615"/>
+                  </a:ext>
+                </a:extLst>
+              </a:tr>
+            </a:tbl>
+          </a:graphicData>
+        </a:graphic>
+      </p:graphicFrame>
+    </p:spTree>
+    <p:extLst>
+      <p:ext uri="{BB962C8B-B14F-4D97-AF65-F5344CB8AC3E}">
+        <p14:creationId xmlns:p14="http://schemas.microsoft.com/office/powerpoint/2010/main" val="433440042"/>
+      </p:ext>
+    </p:extLst>
+  </p:cSld>
+  <p:clrMapOvr>
+    <a:masterClrMapping/>
+  </p:clrMapOvr>
+</p:sld>
+</file>
+
 <file path=ppt/theme/theme1.xml><?xml version="1.0" encoding="utf-8"?>
 <a:theme xmlns:a="http://schemas.openxmlformats.org/drawingml/2006/main" name="Office Theme">
   <a:themeElements>
